--- a/lectures/lec16_virtualization.pptx
+++ b/lectures/lec16_virtualization.pptx
@@ -469,7 +469,7 @@
           <a:p>
             <a:fld id="{0DA9829A-C801-414B-9062-70F3EA61D97A}" type="datetimeFigureOut">
               <a:rPr lang="en-US" smtClean="0"/>
-              <a:t>11/18/24</a:t>
+              <a:t>11/19/24</a:t>
             </a:fld>
             <a:endParaRPr lang="en-US"/>
           </a:p>
@@ -1772,14 +1772,14 @@
           <a:ln/>
           <a:extLst>
             <a:ext uri="{909E8E84-426E-40dd-AFC4-6F175D3DCCD1}">
-              <a14:hiddenFill xmlns="" xmlns:a14="http://schemas.microsoft.com/office/drawing/2010/main">
+              <a14:hiddenFill xmlns:a14="http://schemas.microsoft.com/office/drawing/2010/main" xmlns="">
                 <a:solidFill>
                   <a:srgbClr val="FFFFFF"/>
                 </a:solidFill>
               </a14:hiddenFill>
             </a:ext>
             <a:ext uri="{91240B29-F687-4f45-9708-019B960494DF}">
-              <a14:hiddenLine xmlns="" xmlns:a14="http://schemas.microsoft.com/office/drawing/2010/main" w="9525">
+              <a14:hiddenLine xmlns:a14="http://schemas.microsoft.com/office/drawing/2010/main" xmlns="" w="9525">
                 <a:solidFill>
                   <a:srgbClr val="000000"/>
                 </a:solidFill>
@@ -1964,7 +1964,7 @@
                 <a:cs typeface="Arial" charset="0"/>
               </a:rPr>
               <a:pPr eaLnBrk="1" hangingPunct="1"/>
-              <a:t>11/18/24 9:48 PM</a:t>
+              <a:t>11/19/24 10:02 AM</a:t>
             </a:fld>
             <a:endParaRPr lang="en-US" sz="1200">
               <a:solidFill>
@@ -1996,14 +1996,14 @@
           <a:noFill/>
           <a:extLst>
             <a:ext uri="{909E8E84-426E-40dd-AFC4-6F175D3DCCD1}">
-              <a14:hiddenFill xmlns="" xmlns:a14="http://schemas.microsoft.com/office/drawing/2010/main">
+              <a14:hiddenFill xmlns:a14="http://schemas.microsoft.com/office/drawing/2010/main" xmlns="">
                 <a:solidFill>
                   <a:srgbClr val="FFFFFF"/>
                 </a:solidFill>
               </a14:hiddenFill>
             </a:ext>
             <a:ext uri="{91240B29-F687-4f45-9708-019B960494DF}">
-              <a14:hiddenLine xmlns="" xmlns:a14="http://schemas.microsoft.com/office/drawing/2010/main" w="9525">
+              <a14:hiddenLine xmlns:a14="http://schemas.microsoft.com/office/drawing/2010/main" xmlns="" w="9525">
                 <a:solidFill>
                   <a:srgbClr val="000000"/>
                 </a:solidFill>
@@ -2069,14 +2069,14 @@
           <a:ln/>
           <a:extLst>
             <a:ext uri="{909E8E84-426E-40dd-AFC4-6F175D3DCCD1}">
-              <a14:hiddenFill xmlns="" xmlns:a14="http://schemas.microsoft.com/office/drawing/2010/main">
+              <a14:hiddenFill xmlns:a14="http://schemas.microsoft.com/office/drawing/2010/main" xmlns="">
                 <a:solidFill>
                   <a:srgbClr val="FFFFFF"/>
                 </a:solidFill>
               </a14:hiddenFill>
             </a:ext>
             <a:ext uri="{91240B29-F687-4f45-9708-019B960494DF}">
-              <a14:hiddenLine xmlns="" xmlns:a14="http://schemas.microsoft.com/office/drawing/2010/main" w="9525">
+              <a14:hiddenLine xmlns:a14="http://schemas.microsoft.com/office/drawing/2010/main" xmlns="" w="9525">
                 <a:solidFill>
                   <a:srgbClr val="000000"/>
                 </a:solidFill>
@@ -15753,11 +15753,17 @@
         <p:nvGraphicFramePr>
           <p:cNvPr id="4" name="图表 3"/>
           <p:cNvGraphicFramePr/>
-          <p:nvPr/>
+          <p:nvPr>
+            <p:extLst>
+              <p:ext uri="{D42A27DB-BD31-4B8C-83A1-F6EECF244321}">
+                <p14:modId xmlns:p14="http://schemas.microsoft.com/office/powerpoint/2010/main" val="3260169586"/>
+              </p:ext>
+            </p:extLst>
+          </p:nvPr>
         </p:nvGraphicFramePr>
         <p:xfrm>
           <a:off x="1331640" y="2317440"/>
-          <a:ext cx="6500296" cy="3240360"/>
+          <a:ext cx="6772454" cy="3240360"/>
         </p:xfrm>
         <a:graphic>
           <a:graphicData uri="http://schemas.openxmlformats.org/drawingml/2006/chart">
@@ -18033,7 +18039,7 @@
                 <a:latin typeface="Arial" charset="0"/>
                 <a:ea typeface="ＭＳ Ｐゴシック" charset="0"/>
               </a:rPr>
-              <a:t>IA Protection Rings (CPL)</a:t>
+              <a:t>Protection Rings</a:t>
             </a:r>
           </a:p>
         </p:txBody>
@@ -18050,8 +18056,8 @@
         </p:nvSpPr>
         <p:spPr>
           <a:xfrm>
-            <a:off x="1143000" y="1333501"/>
-            <a:ext cx="3365500" cy="3426354"/>
+            <a:off x="688063" y="1333501"/>
+            <a:ext cx="3820437" cy="3426354"/>
           </a:xfrm>
         </p:spPr>
         <p:txBody>
@@ -18066,17 +18072,31 @@
                 <a:latin typeface="Arial" charset="0"/>
                 <a:ea typeface="ＭＳ Ｐゴシック" charset="0"/>
               </a:rPr>
-              <a:t>Actually, IA has four protection levels, not two (kernel/user).</a:t>
-            </a:r>
-          </a:p>
-          <a:p>
-            <a:pPr latinLnBrk="0" hangingPunct="0"/>
+              <a:t>Actually, </a:t>
+            </a:r>
+            <a:r>
+              <a:rPr lang="en-US" altLang="zh-CN" sz="1667" dirty="0">
+                <a:latin typeface="Arial" charset="0"/>
+                <a:ea typeface="ＭＳ Ｐゴシック" charset="0"/>
+              </a:rPr>
+              <a:t>x86</a:t>
+            </a:r>
             <a:r>
               <a:rPr lang="en-US" sz="1667" dirty="0">
                 <a:latin typeface="Arial" charset="0"/>
                 <a:ea typeface="ＭＳ Ｐゴシック" charset="0"/>
               </a:rPr>
-              <a:t>IA/X86 rings (CPL)</a:t>
+              <a:t> has four protection levels, not two (kernel/user).</a:t>
+            </a:r>
+          </a:p>
+          <a:p>
+            <a:pPr latinLnBrk="0" hangingPunct="0"/>
+            <a:r>
+              <a:rPr lang="en-US" sz="1667" dirty="0">
+                <a:latin typeface="Arial" charset="0"/>
+                <a:ea typeface="ＭＳ Ｐゴシック" charset="0"/>
+              </a:rPr>
+              <a:t>X86 rings (CPL)</a:t>
             </a:r>
           </a:p>
           <a:p>
@@ -18212,14 +18232,14 @@
                       <a:effectLst/>
                       <a:extLst>
                         <a:ext uri="{909E8E84-426E-40dd-AFC4-6F175D3DCCD1}">
-                          <a14:hiddenFill xmlns="" xmlns:a14="http://schemas.microsoft.com/office/drawing/2010/main">
+                          <a14:hiddenFill xmlns:a14="http://schemas.microsoft.com/office/drawing/2010/main" xmlns="">
                             <a:solidFill>
                               <a:schemeClr val="accent1"/>
                             </a:solidFill>
                           </a14:hiddenFill>
                         </a:ext>
                         <a:ext uri="{91240B29-F687-4f45-9708-019B960494DF}">
-                          <a14:hiddenLine xmlns="" xmlns:a14="http://schemas.microsoft.com/office/drawing/2010/main" w="9525">
+                          <a14:hiddenLine xmlns:a14="http://schemas.microsoft.com/office/drawing/2010/main" xmlns="" w="9525">
                             <a:solidFill>
                               <a:schemeClr val="tx1"/>
                             </a:solidFill>
@@ -18229,7 +18249,7 @@
                           </a14:hiddenLine>
                         </a:ext>
                         <a:ext uri="{AF507438-7753-43e0-B8FC-AC1667EBCBE1}">
-                          <a14:hiddenEffects xmlns="" xmlns:a14="http://schemas.microsoft.com/office/drawing/2010/main">
+                          <a14:hiddenEffects xmlns:a14="http://schemas.microsoft.com/office/drawing/2010/main" xmlns="">
                             <a:effectLst>
                               <a:outerShdw blurRad="63500" dist="38099" dir="2700000" algn="ctr" rotWithShape="0">
                                 <a:schemeClr val="bg2">
@@ -18299,14 +18319,14 @@
           </a:ln>
           <a:extLst>
             <a:ext uri="{909E8E84-426E-40dd-AFC4-6F175D3DCCD1}">
-              <a14:hiddenFill xmlns="" xmlns:a14="http://schemas.microsoft.com/office/drawing/2010/main">
+              <a14:hiddenFill xmlns:a14="http://schemas.microsoft.com/office/drawing/2010/main" xmlns="">
                 <a:solidFill>
                   <a:srgbClr val="FFFFFF"/>
                 </a:solidFill>
               </a14:hiddenFill>
             </a:ext>
             <a:ext uri="{91240B29-F687-4f45-9708-019B960494DF}">
-              <a14:hiddenLine xmlns="" xmlns:a14="http://schemas.microsoft.com/office/drawing/2010/main" w="9525">
+              <a14:hiddenLine xmlns:a14="http://schemas.microsoft.com/office/drawing/2010/main" xmlns="" w="9525">
                 <a:solidFill>
                   <a:srgbClr val="000000"/>
                 </a:solidFill>
@@ -18357,14 +18377,14 @@
           </a:ln>
           <a:extLst>
             <a:ext uri="{909E8E84-426E-40dd-AFC4-6F175D3DCCD1}">
-              <a14:hiddenFill xmlns="" xmlns:a14="http://schemas.microsoft.com/office/drawing/2010/main">
+              <a14:hiddenFill xmlns:a14="http://schemas.microsoft.com/office/drawing/2010/main" xmlns="">
                 <a:solidFill>
                   <a:srgbClr val="FFFFFF"/>
                 </a:solidFill>
               </a14:hiddenFill>
             </a:ext>
             <a:ext uri="{91240B29-F687-4f45-9708-019B960494DF}">
-              <a14:hiddenLine xmlns="" xmlns:a14="http://schemas.microsoft.com/office/drawing/2010/main" w="9525">
+              <a14:hiddenLine xmlns:a14="http://schemas.microsoft.com/office/drawing/2010/main" xmlns="" w="9525">
                 <a:solidFill>
                   <a:srgbClr val="000000"/>
                 </a:solidFill>
@@ -18443,7 +18463,15 @@
           <a:p>
             <a:r>
               <a:rPr lang="en-US" sz="3000" dirty="0"/>
-              <a:t>Why aren’t (IA) rings good enough?</a:t>
+              <a:t>Why aren’t </a:t>
+            </a:r>
+            <a:r>
+              <a:rPr lang="en-US" altLang="zh-CN" sz="3000" dirty="0"/>
+              <a:t>protection</a:t>
+            </a:r>
+            <a:r>
+              <a:rPr lang="en-US" sz="3000" dirty="0"/>
+              <a:t> rings good enough?</a:t>
             </a:r>
           </a:p>
         </p:txBody>
@@ -18536,14 +18564,14 @@
                       <a:effectLst/>
                       <a:extLst>
                         <a:ext uri="{909E8E84-426E-40dd-AFC4-6F175D3DCCD1}">
-                          <a14:hiddenFill xmlns="" xmlns:a14="http://schemas.microsoft.com/office/drawing/2010/main">
+                          <a14:hiddenFill xmlns:a14="http://schemas.microsoft.com/office/drawing/2010/main" xmlns="">
                             <a:solidFill>
                               <a:schemeClr val="accent1"/>
                             </a:solidFill>
                           </a14:hiddenFill>
                         </a:ext>
                         <a:ext uri="{91240B29-F687-4f45-9708-019B960494DF}">
-                          <a14:hiddenLine xmlns="" xmlns:a14="http://schemas.microsoft.com/office/drawing/2010/main" w="9525">
+                          <a14:hiddenLine xmlns:a14="http://schemas.microsoft.com/office/drawing/2010/main" xmlns="" w="9525">
                             <a:solidFill>
                               <a:schemeClr val="tx1"/>
                             </a:solidFill>
@@ -18553,7 +18581,7 @@
                           </a14:hiddenLine>
                         </a:ext>
                         <a:ext uri="{AF507438-7753-43e0-B8FC-AC1667EBCBE1}">
-                          <a14:hiddenEffects xmlns="" xmlns:a14="http://schemas.microsoft.com/office/drawing/2010/main">
+                          <a14:hiddenEffects xmlns:a14="http://schemas.microsoft.com/office/drawing/2010/main" xmlns="">
                             <a:effectLst>
                               <a:outerShdw blurRad="63500" dist="38099" dir="2700000" algn="ctr" rotWithShape="0">
                                 <a:schemeClr val="bg2">
@@ -18846,14 +18874,14 @@
           </a:ln>
           <a:extLst>
             <a:ext uri="{909E8E84-426E-40dd-AFC4-6F175D3DCCD1}">
-              <a14:hiddenFill xmlns="" xmlns:a14="http://schemas.microsoft.com/office/drawing/2010/main">
+              <a14:hiddenFill xmlns:a14="http://schemas.microsoft.com/office/drawing/2010/main" xmlns="">
                 <a:solidFill>
                   <a:srgbClr val="FFFFFF"/>
                 </a:solidFill>
               </a14:hiddenFill>
             </a:ext>
             <a:ext uri="{91240B29-F687-4f45-9708-019B960494DF}">
-              <a14:hiddenLine xmlns="" xmlns:a14="http://schemas.microsoft.com/office/drawing/2010/main" w="9525">
+              <a14:hiddenLine xmlns:a14="http://schemas.microsoft.com/office/drawing/2010/main" xmlns="" w="9525">
                 <a:solidFill>
                   <a:srgbClr val="000000"/>
                 </a:solidFill>
@@ -19011,14 +19039,14 @@
           </a:ln>
           <a:extLst>
             <a:ext uri="{909E8E84-426E-40dd-AFC4-6F175D3DCCD1}">
-              <a14:hiddenFill xmlns="" xmlns:a14="http://schemas.microsoft.com/office/drawing/2010/main">
+              <a14:hiddenFill xmlns:a14="http://schemas.microsoft.com/office/drawing/2010/main" xmlns="">
                 <a:solidFill>
                   <a:srgbClr val="FFFFFF"/>
                 </a:solidFill>
               </a14:hiddenFill>
             </a:ext>
             <a:ext uri="{91240B29-F687-4f45-9708-019B960494DF}">
-              <a14:hiddenLine xmlns="" xmlns:a14="http://schemas.microsoft.com/office/drawing/2010/main" w="9525">
+              <a14:hiddenLine xmlns:a14="http://schemas.microsoft.com/office/drawing/2010/main" xmlns="" w="9525">
                 <a:solidFill>
                   <a:srgbClr val="000000"/>
                 </a:solidFill>
@@ -19176,14 +19204,14 @@
           </a:ln>
           <a:extLst>
             <a:ext uri="{909E8E84-426E-40dd-AFC4-6F175D3DCCD1}">
-              <a14:hiddenFill xmlns="" xmlns:a14="http://schemas.microsoft.com/office/drawing/2010/main">
+              <a14:hiddenFill xmlns:a14="http://schemas.microsoft.com/office/drawing/2010/main" xmlns="">
                 <a:solidFill>
                   <a:srgbClr val="FFFFFF"/>
                 </a:solidFill>
               </a14:hiddenFill>
             </a:ext>
             <a:ext uri="{91240B29-F687-4f45-9708-019B960494DF}">
-              <a14:hiddenLine xmlns="" xmlns:a14="http://schemas.microsoft.com/office/drawing/2010/main" w="12700">
+              <a14:hiddenLine xmlns:a14="http://schemas.microsoft.com/office/drawing/2010/main" xmlns="" w="12700">
                 <a:solidFill>
                   <a:srgbClr val="000000"/>
                 </a:solidFill>
@@ -19346,14 +19374,14 @@
           </a:ln>
           <a:extLst>
             <a:ext uri="{909E8E84-426E-40dd-AFC4-6F175D3DCCD1}">
-              <a14:hiddenFill xmlns="" xmlns:a14="http://schemas.microsoft.com/office/drawing/2010/main">
+              <a14:hiddenFill xmlns:a14="http://schemas.microsoft.com/office/drawing/2010/main" xmlns="">
                 <a:solidFill>
                   <a:srgbClr val="FFFFFF"/>
                 </a:solidFill>
               </a14:hiddenFill>
             </a:ext>
             <a:ext uri="{91240B29-F687-4f45-9708-019B960494DF}">
-              <a14:hiddenLine xmlns="" xmlns:a14="http://schemas.microsoft.com/office/drawing/2010/main" w="12700">
+              <a14:hiddenLine xmlns:a14="http://schemas.microsoft.com/office/drawing/2010/main" xmlns="" w="12700">
                 <a:solidFill>
                   <a:srgbClr val="000000"/>
                 </a:solidFill>
@@ -19516,14 +19544,14 @@
           </a:ln>
           <a:extLst>
             <a:ext uri="{909E8E84-426E-40dd-AFC4-6F175D3DCCD1}">
-              <a14:hiddenFill xmlns="" xmlns:a14="http://schemas.microsoft.com/office/drawing/2010/main">
+              <a14:hiddenFill xmlns:a14="http://schemas.microsoft.com/office/drawing/2010/main" xmlns="">
                 <a:solidFill>
                   <a:srgbClr val="FFFFFF"/>
                 </a:solidFill>
               </a14:hiddenFill>
             </a:ext>
             <a:ext uri="{91240B29-F687-4f45-9708-019B960494DF}">
-              <a14:hiddenLine xmlns="" xmlns:a14="http://schemas.microsoft.com/office/drawing/2010/main" w="12700">
+              <a14:hiddenLine xmlns:a14="http://schemas.microsoft.com/office/drawing/2010/main" xmlns="" w="12700">
                 <a:solidFill>
                   <a:srgbClr val="000000"/>
                 </a:solidFill>
@@ -19686,14 +19714,14 @@
           </a:ln>
           <a:extLst>
             <a:ext uri="{909E8E84-426E-40dd-AFC4-6F175D3DCCD1}">
-              <a14:hiddenFill xmlns="" xmlns:a14="http://schemas.microsoft.com/office/drawing/2010/main">
+              <a14:hiddenFill xmlns:a14="http://schemas.microsoft.com/office/drawing/2010/main" xmlns="">
                 <a:solidFill>
                   <a:srgbClr val="FFFFFF"/>
                 </a:solidFill>
               </a14:hiddenFill>
             </a:ext>
             <a:ext uri="{91240B29-F687-4f45-9708-019B960494DF}">
-              <a14:hiddenLine xmlns="" xmlns:a14="http://schemas.microsoft.com/office/drawing/2010/main" w="9525">
+              <a14:hiddenLine xmlns:a14="http://schemas.microsoft.com/office/drawing/2010/main" xmlns="" w="9525">
                 <a:solidFill>
                   <a:srgbClr val="000000"/>
                 </a:solidFill>
@@ -19891,56 +19919,56 @@
             <p:ph idx="1"/>
           </p:nvPr>
         </p:nvSpPr>
-        <p:spPr/>
+        <p:spPr>
+          <a:xfrm>
+            <a:off x="214313" y="733392"/>
+            <a:ext cx="8685243" cy="4584382"/>
+          </a:xfrm>
+        </p:spPr>
         <p:txBody>
           <a:bodyPr>
             <a:normAutofit fontScale="92500" lnSpcReduction="10000"/>
           </a:bodyPr>
           <a:lstStyle/>
           <a:p>
-            <a:pPr marL="0" indent="0">
+            <a:pPr marL="0" indent="0" latinLnBrk="0" hangingPunct="0">
               <a:buNone/>
             </a:pPr>
             <a:r>
               <a:rPr lang="en-US" sz="2000" dirty="0"/>
-              <a:t>Early IA hypervisors (VMware, </a:t>
-            </a:r>
-            <a:r>
-              <a:rPr lang="en-US" sz="2000" dirty="0" err="1"/>
-              <a:t>Xen</a:t>
-            </a:r>
-            <a:r>
-              <a:rPr lang="en-US" sz="2000" dirty="0"/>
-              <a:t>) had to emulate various machine behaviors and generally bend over backwards.</a:t>
-            </a:r>
-          </a:p>
-          <a:p>
+              <a:t>Early hypervisors (VMware, Xen) had to emulate various machine behaviors and generally bend over backwards.</a:t>
+            </a:r>
+          </a:p>
+          <a:p>
+            <a:pPr latinLnBrk="0" hangingPunct="0"/>
             <a:r>
               <a:rPr lang="en-US" sz="2000" dirty="0"/>
               <a:t>IA32 page protection does not distinguish CPL 0-2.</a:t>
             </a:r>
           </a:p>
           <a:p>
-            <a:pPr lvl="1"/>
+            <a:pPr lvl="1" hangingPunct="0"/>
             <a:r>
               <a:rPr lang="en-US" sz="1667" dirty="0"/>
               <a:t>Segment-grained memory protection only.</a:t>
             </a:r>
           </a:p>
           <a:p>
+            <a:pPr latinLnBrk="0" hangingPunct="0"/>
             <a:r>
               <a:rPr lang="en-US" sz="2000" dirty="0"/>
               <a:t>Ring aliasing: some IA instructions expose CPL to guest!</a:t>
             </a:r>
           </a:p>
           <a:p>
-            <a:pPr lvl="1"/>
+            <a:pPr lvl="1" hangingPunct="0"/>
             <a:r>
               <a:rPr lang="en-US" sz="1667" dirty="0"/>
               <a:t>Or fail silently…</a:t>
             </a:r>
           </a:p>
           <a:p>
+            <a:pPr latinLnBrk="0" hangingPunct="0"/>
             <a:r>
               <a:rPr lang="en-US" sz="2000" dirty="0" err="1"/>
               <a:t>Syscalls</a:t>
@@ -19995,7 +20023,7 @@
             </a:r>
           </a:p>
           <a:p>
-            <a:pPr lvl="1"/>
+            <a:pPr lvl="1" hangingPunct="0"/>
             <a:r>
               <a:rPr lang="fr-FR" sz="1667" dirty="0" err="1"/>
               <a:t>sysenter</a:t>
@@ -20022,7 +20050,7 @@
             </a:r>
           </a:p>
           <a:p>
-            <a:pPr lvl="1"/>
+            <a:pPr lvl="1" hangingPunct="0"/>
             <a:r>
               <a:rPr lang="fr-FR" sz="1667" dirty="0" err="1"/>
               <a:t>sysexit</a:t>
@@ -20058,6 +20086,7 @@
             <a:endParaRPr lang="en-US" sz="1667" dirty="0"/>
           </a:p>
           <a:p>
+            <a:pPr latinLnBrk="0" hangingPunct="0"/>
             <a:r>
               <a:rPr lang="en-US" sz="2000" dirty="0"/>
               <a:t>Interrupts don’t work properly and require emulation.</a:t>
@@ -20065,14 +20094,14 @@
             <a:endParaRPr lang="en-US" sz="1667" dirty="0"/>
           </a:p>
           <a:p>
-            <a:pPr lvl="1"/>
+            <a:pPr lvl="1" hangingPunct="0"/>
             <a:r>
               <a:rPr lang="en-US" sz="1667" dirty="0"/>
               <a:t>Interrupt disable/enable reserved to CPL0.</a:t>
             </a:r>
           </a:p>
           <a:p>
-            <a:pPr marL="380985" lvl="1" indent="0">
+            <a:pPr marL="380985" lvl="1" indent="0" hangingPunct="0">
               <a:buNone/>
             </a:pPr>
             <a:endParaRPr lang="en-US" sz="1667" dirty="0"/>
@@ -21061,7 +21090,7 @@
           <a:noFill/>
           <a:extLst>
             <a:ext uri="{909E8E84-426E-40dd-AFC4-6F175D3DCCD1}">
-              <a14:hiddenFill xmlns="" xmlns:a14="http://schemas.microsoft.com/office/drawing/2010/main">
+              <a14:hiddenFill xmlns:a14="http://schemas.microsoft.com/office/drawing/2010/main" xmlns="">
                 <a:solidFill>
                   <a:srgbClr val="FFFFFF"/>
                 </a:solidFill>
@@ -21430,44 +21459,34 @@
           <a:lstStyle/>
           <a:p>
             <a:r>
-              <a:rPr lang="en-US" sz="2000" dirty="0">
-                <a:latin typeface="Arial" charset="0"/>
-                <a:ea typeface="ＭＳ Ｐゴシック" charset="0"/>
+              <a:rPr lang="en-US" sz="1800" dirty="0">
                 <a:cs typeface="Arial" charset="0"/>
               </a:rPr>
               <a:t>New VM mode bit</a:t>
             </a:r>
             <a:r>
-              <a:rPr lang="en-US" altLang="zh-CN" sz="2000" dirty="0">
-                <a:latin typeface="Arial" charset="0"/>
-                <a:ea typeface="ＭＳ Ｐゴシック" charset="0"/>
+              <a:rPr lang="en-US" altLang="zh-CN" sz="1800" dirty="0">
                 <a:cs typeface="Arial" charset="0"/>
               </a:rPr>
               <a:t>,</a:t>
             </a:r>
             <a:r>
-              <a:rPr lang="zh-CN" altLang="en-US" sz="2000" dirty="0">
-                <a:latin typeface="Arial" charset="0"/>
-                <a:ea typeface="ＭＳ Ｐゴシック" charset="0"/>
+              <a:rPr lang="zh-CN" altLang="en-US" sz="1800" dirty="0">
                 <a:cs typeface="Arial" charset="0"/>
               </a:rPr>
               <a:t> </a:t>
             </a:r>
             <a:r>
-              <a:rPr lang="en-US" sz="1667" dirty="0">
+              <a:rPr lang="en-US" sz="1800" dirty="0">
                 <a:solidFill>
                   <a:schemeClr val="accent2"/>
                 </a:solidFill>
-                <a:latin typeface="Arial" charset="0"/>
-                <a:ea typeface="ＭＳ Ｐゴシック" charset="0"/>
                 <a:cs typeface="Arial" charset="0"/>
               </a:rPr>
               <a:t>Orthogonal </a:t>
             </a:r>
             <a:r>
-              <a:rPr lang="en-US" sz="1667" dirty="0">
-                <a:latin typeface="Arial" charset="0"/>
-                <a:ea typeface="ＭＳ Ｐゴシック" charset="0"/>
+              <a:rPr lang="en-US" sz="1800" dirty="0">
                 <a:cs typeface="Arial" charset="0"/>
               </a:rPr>
               <a:t>to CPL (e.g., kernel/user mode)</a:t>
@@ -21475,37 +21494,29 @@
           </a:p>
           <a:p>
             <a:r>
-              <a:rPr lang="en-US" sz="2000" dirty="0">
-                <a:latin typeface="Arial" charset="0"/>
-                <a:ea typeface="ＭＳ Ｐゴシック" charset="0"/>
+              <a:rPr lang="en-US" sz="1800" dirty="0">
                 <a:cs typeface="Arial" charset="0"/>
               </a:rPr>
               <a:t>If VM mode is </a:t>
             </a:r>
             <a:r>
-              <a:rPr lang="en-US" sz="2000" dirty="0">
+              <a:rPr lang="en-US" sz="1800" dirty="0">
                 <a:solidFill>
                   <a:srgbClr val="651222"/>
                 </a:solidFill>
-                <a:latin typeface="Arial" charset="0"/>
-                <a:ea typeface="ＭＳ Ｐゴシック" charset="0"/>
                 <a:cs typeface="Arial" charset="0"/>
               </a:rPr>
               <a:t>off </a:t>
             </a:r>
             <a:r>
-              <a:rPr lang="en-US" sz="2000" dirty="0">
-                <a:latin typeface="Arial" charset="0"/>
-                <a:ea typeface="ＭＳ Ｐゴシック" charset="0"/>
+              <a:rPr lang="en-US" sz="1800" dirty="0">
                 <a:cs typeface="Arial" charset="0"/>
                 <a:sym typeface="Wingdings"/>
               </a:rPr>
               <a:t> h</a:t>
             </a:r>
             <a:r>
-              <a:rPr lang="en-US" sz="2000" dirty="0">
-                <a:latin typeface="Arial" charset="0"/>
-                <a:ea typeface="ＭＳ Ｐゴシック" charset="0"/>
+              <a:rPr lang="en-US" sz="1800" dirty="0">
                 <a:cs typeface="Arial" charset="0"/>
               </a:rPr>
               <a:t>ost mode</a:t>
@@ -21514,9 +21525,7 @@
           <a:p>
             <a:pPr lvl="1"/>
             <a:r>
-              <a:rPr lang="en-US" sz="1667" dirty="0">
-                <a:latin typeface="Arial" charset="0"/>
-                <a:ea typeface="ＭＳ Ｐゴシック" charset="0"/>
+              <a:rPr lang="en-US" sz="1600" dirty="0">
                 <a:cs typeface="Arial" charset="0"/>
               </a:rPr>
               <a:t>Machine “looks just like it always did” (“VMX root”)</a:t>
@@ -21524,37 +21533,29 @@
           </a:p>
           <a:p>
             <a:r>
-              <a:rPr lang="en-US" sz="2000" dirty="0">
-                <a:latin typeface="Arial" charset="0"/>
-                <a:ea typeface="ＭＳ Ｐゴシック" charset="0"/>
+              <a:rPr lang="en-US" sz="1800" dirty="0">
                 <a:cs typeface="Arial" charset="0"/>
               </a:rPr>
               <a:t>If VM bit is </a:t>
             </a:r>
             <a:r>
-              <a:rPr lang="en-US" sz="2000" dirty="0">
+              <a:rPr lang="en-US" sz="1800" dirty="0">
                 <a:solidFill>
                   <a:srgbClr val="651222"/>
                 </a:solidFill>
-                <a:latin typeface="Arial" charset="0"/>
-                <a:ea typeface="ＭＳ Ｐゴシック" charset="0"/>
                 <a:cs typeface="Arial" charset="0"/>
               </a:rPr>
               <a:t>on </a:t>
             </a:r>
             <a:r>
-              <a:rPr lang="en-US" sz="2000" dirty="0">
-                <a:latin typeface="Arial" charset="0"/>
-                <a:ea typeface="ＭＳ Ｐゴシック" charset="0"/>
+              <a:rPr lang="en-US" sz="1800" dirty="0">
                 <a:cs typeface="Arial" charset="0"/>
                 <a:sym typeface="Wingdings"/>
               </a:rPr>
               <a:t> </a:t>
             </a:r>
             <a:r>
-              <a:rPr lang="en-US" sz="2000" dirty="0">
-                <a:latin typeface="Arial" charset="0"/>
-                <a:ea typeface="ＭＳ Ｐゴシック" charset="0"/>
+              <a:rPr lang="en-US" sz="1800" dirty="0">
                 <a:cs typeface="Arial" charset="0"/>
               </a:rPr>
               <a:t>guest mode</a:t>
@@ -21563,9 +21564,7 @@
           <a:p>
             <a:pPr lvl="1"/>
             <a:r>
-              <a:rPr lang="en-US" sz="1667" dirty="0">
-                <a:latin typeface="Arial" charset="0"/>
-                <a:ea typeface="ＭＳ Ｐゴシック" charset="0"/>
+              <a:rPr lang="en-US" sz="1600" dirty="0">
                 <a:cs typeface="Arial" charset="0"/>
               </a:rPr>
               <a:t>Machine is running a guest VM: “VMX non-root mode”</a:t>
@@ -21574,9 +21573,7 @@
           <a:p>
             <a:pPr lvl="1"/>
             <a:r>
-              <a:rPr lang="en-US" sz="1667" dirty="0">
-                <a:latin typeface="Arial" charset="0"/>
-                <a:ea typeface="ＭＳ Ｐゴシック" charset="0"/>
+              <a:rPr lang="en-US" sz="1600" dirty="0">
                 <a:cs typeface="Arial" charset="0"/>
               </a:rPr>
               <a:t>Machine “looks just like it always did” to the guest, BUT:</a:t>
@@ -21585,9 +21582,7 @@
           <a:p>
             <a:pPr lvl="1"/>
             <a:r>
-              <a:rPr lang="en-US" sz="1667" dirty="0">
-                <a:latin typeface="Arial" charset="0"/>
-                <a:ea typeface="ＭＳ Ｐゴシック" charset="0"/>
+              <a:rPr lang="en-US" sz="1600" dirty="0">
                 <a:cs typeface="Arial" charset="0"/>
               </a:rPr>
               <a:t>Various events trigger gated entry to hypervisor (in VMX root)</a:t>
@@ -21596,9 +21591,7 @@
           <a:p>
             <a:pPr lvl="1"/>
             <a:r>
-              <a:rPr lang="en-US" sz="1667" dirty="0">
-                <a:latin typeface="Arial" charset="0"/>
-                <a:ea typeface="ＭＳ Ｐゴシック" charset="0"/>
+              <a:rPr lang="en-US" sz="1600" dirty="0">
                 <a:cs typeface="Arial" charset="0"/>
               </a:rPr>
               <a:t>A “virtualization intercept”: exit VM mode to VMM (VM Exit)</a:t>
@@ -21607,9 +21600,7 @@
           <a:p>
             <a:pPr lvl="1"/>
             <a:r>
-              <a:rPr lang="en-US" sz="1667" dirty="0">
-                <a:latin typeface="Arial" charset="0"/>
-                <a:ea typeface="ＭＳ Ｐゴシック" charset="0"/>
+              <a:rPr lang="en-US" sz="1600" dirty="0">
                 <a:cs typeface="Arial" charset="0"/>
               </a:rPr>
               <a:t>Hypervisor (VMM) can control which events cause intercepts</a:t>
@@ -21618,9 +21609,7 @@
           <a:p>
             <a:pPr lvl="1"/>
             <a:r>
-              <a:rPr lang="en-US" sz="1667" dirty="0">
-                <a:latin typeface="Arial" charset="0"/>
-                <a:ea typeface="ＭＳ Ｐゴシック" charset="0"/>
+              <a:rPr lang="en-US" sz="1600" dirty="0">
                 <a:cs typeface="Arial" charset="0"/>
               </a:rPr>
               <a:t>Hypervisor can examine/manipulate guest VM state and return to VM (VM Entry) </a:t>
@@ -21984,14 +21973,14 @@
           </a:ln>
           <a:extLst>
             <a:ext uri="{909E8E84-426E-40dd-AFC4-6F175D3DCCD1}">
-              <a14:hiddenFill xmlns="" xmlns:a14="http://schemas.microsoft.com/office/drawing/2010/main">
+              <a14:hiddenFill xmlns:a14="http://schemas.microsoft.com/office/drawing/2010/main" xmlns="">
                 <a:solidFill>
                   <a:srgbClr val="FFFFFF"/>
                 </a:solidFill>
               </a14:hiddenFill>
             </a:ext>
             <a:ext uri="{91240B29-F687-4f45-9708-019B960494DF}">
-              <a14:hiddenLine xmlns="" xmlns:a14="http://schemas.microsoft.com/office/drawing/2010/main" w="12700">
+              <a14:hiddenLine xmlns:a14="http://schemas.microsoft.com/office/drawing/2010/main" xmlns="" w="12700">
                 <a:solidFill>
                   <a:srgbClr val="000000"/>
                 </a:solidFill>
@@ -22037,14 +22026,14 @@
           </a:ln>
           <a:extLst>
             <a:ext uri="{909E8E84-426E-40dd-AFC4-6F175D3DCCD1}">
-              <a14:hiddenFill xmlns="" xmlns:a14="http://schemas.microsoft.com/office/drawing/2010/main">
+              <a14:hiddenFill xmlns:a14="http://schemas.microsoft.com/office/drawing/2010/main" xmlns="">
                 <a:solidFill>
                   <a:srgbClr val="FFFFFF"/>
                 </a:solidFill>
               </a14:hiddenFill>
             </a:ext>
             <a:ext uri="{91240B29-F687-4f45-9708-019B960494DF}">
-              <a14:hiddenLine xmlns="" xmlns:a14="http://schemas.microsoft.com/office/drawing/2010/main" w="12700">
+              <a14:hiddenLine xmlns:a14="http://schemas.microsoft.com/office/drawing/2010/main" xmlns="" w="12700">
                 <a:solidFill>
                   <a:srgbClr val="000000"/>
                 </a:solidFill>
@@ -22090,14 +22079,14 @@
           </a:ln>
           <a:extLst>
             <a:ext uri="{909E8E84-426E-40dd-AFC4-6F175D3DCCD1}">
-              <a14:hiddenFill xmlns="" xmlns:a14="http://schemas.microsoft.com/office/drawing/2010/main">
+              <a14:hiddenFill xmlns:a14="http://schemas.microsoft.com/office/drawing/2010/main" xmlns="">
                 <a:solidFill>
                   <a:srgbClr val="FFFFFF"/>
                 </a:solidFill>
               </a14:hiddenFill>
             </a:ext>
             <a:ext uri="{91240B29-F687-4f45-9708-019B960494DF}">
-              <a14:hiddenLine xmlns="" xmlns:a14="http://schemas.microsoft.com/office/drawing/2010/main" w="12700">
+              <a14:hiddenLine xmlns:a14="http://schemas.microsoft.com/office/drawing/2010/main" xmlns="" w="12700">
                 <a:solidFill>
                   <a:srgbClr val="000000"/>
                 </a:solidFill>
@@ -22198,14 +22187,14 @@
           </a:ln>
           <a:extLst>
             <a:ext uri="{909E8E84-426E-40dd-AFC4-6F175D3DCCD1}">
-              <a14:hiddenFill xmlns="" xmlns:a14="http://schemas.microsoft.com/office/drawing/2010/main">
+              <a14:hiddenFill xmlns:a14="http://schemas.microsoft.com/office/drawing/2010/main" xmlns="">
                 <a:solidFill>
                   <a:srgbClr val="FFFFFF"/>
                 </a:solidFill>
               </a14:hiddenFill>
             </a:ext>
             <a:ext uri="{91240B29-F687-4f45-9708-019B960494DF}">
-              <a14:hiddenLine xmlns="" xmlns:a14="http://schemas.microsoft.com/office/drawing/2010/main" w="12700">
+              <a14:hiddenLine xmlns:a14="http://schemas.microsoft.com/office/drawing/2010/main" xmlns="" w="12700">
                 <a:solidFill>
                   <a:srgbClr val="000000"/>
                 </a:solidFill>
@@ -22524,7 +22513,7 @@
           </a:ln>
           <a:extLst>
             <a:ext uri="{91240B29-F687-4f45-9708-019B960494DF}">
-              <a14:hiddenLine xmlns="" xmlns:a14="http://schemas.microsoft.com/office/drawing/2010/main" w="25400">
+              <a14:hiddenLine xmlns:a14="http://schemas.microsoft.com/office/drawing/2010/main" xmlns="" w="25400">
                 <a:solidFill>
                   <a:srgbClr val="000000"/>
                 </a:solidFill>
@@ -25572,7 +25561,7 @@
           <a:p>
             <a:r>
               <a:rPr lang="en-US" dirty="0"/>
-              <a:t>Formal Requirements for Virtualizable Third Generation Architectures</a:t>
+              <a:t>Requirements for Virtualizable Architectures</a:t>
             </a:r>
           </a:p>
         </p:txBody>
@@ -25613,6 +25602,88 @@
             <a:r>
               <a:rPr lang="en-US" dirty="0"/>
               <a:t>and last, the VMM is in complete control of system resources.”</a:t>
+            </a:r>
+          </a:p>
+          <a:p>
+            <a:r>
+              <a:rPr lang="en-US" dirty="0">
+                <a:solidFill>
+                  <a:srgbClr val="FF0000"/>
+                </a:solidFill>
+              </a:rPr>
+              <a:t>V</a:t>
+            </a:r>
+            <a:r>
+              <a:rPr lang="en-US" altLang="zh-CN" dirty="0">
+                <a:solidFill>
+                  <a:srgbClr val="FF0000"/>
+                </a:solidFill>
+              </a:rPr>
+              <a:t>MM</a:t>
+            </a:r>
+            <a:r>
+              <a:rPr lang="en-US" altLang="zh-CN" dirty="0"/>
+              <a:t>:</a:t>
+            </a:r>
+            <a:r>
+              <a:rPr lang="zh-CN" altLang="en-US" dirty="0"/>
+              <a:t> </a:t>
+            </a:r>
+            <a:r>
+              <a:rPr lang="en-US" altLang="zh-CN" dirty="0"/>
+              <a:t>virtual</a:t>
+            </a:r>
+            <a:r>
+              <a:rPr lang="zh-CN" altLang="en-US" dirty="0"/>
+              <a:t> </a:t>
+            </a:r>
+            <a:r>
+              <a:rPr lang="en-US" altLang="zh-CN" dirty="0"/>
+              <a:t>machine</a:t>
+            </a:r>
+            <a:r>
+              <a:rPr lang="zh-CN" altLang="en-US" dirty="0"/>
+              <a:t> </a:t>
+            </a:r>
+            <a:r>
+              <a:rPr lang="en-US" altLang="zh-CN" dirty="0"/>
+              <a:t>monitor</a:t>
+            </a:r>
+            <a:r>
+              <a:rPr lang="zh-CN" altLang="en-US" dirty="0"/>
+              <a:t> </a:t>
+            </a:r>
+            <a:r>
+              <a:rPr lang="en-US" altLang="zh-CN" dirty="0"/>
+              <a:t>(from</a:t>
+            </a:r>
+            <a:r>
+              <a:rPr lang="zh-CN" altLang="en-US" dirty="0"/>
+              <a:t> </a:t>
+            </a:r>
+            <a:r>
+              <a:rPr lang="en-US" altLang="zh-CN" dirty="0"/>
+              <a:t>VMware);</a:t>
+            </a:r>
+            <a:r>
+              <a:rPr lang="zh-CN" altLang="en-US" dirty="0"/>
+              <a:t> </a:t>
+            </a:r>
+            <a:r>
+              <a:rPr lang="en-US" altLang="zh-CN" dirty="0"/>
+              <a:t>a.k.a.</a:t>
+            </a:r>
+            <a:r>
+              <a:rPr lang="zh-CN" altLang="en-US" dirty="0"/>
+              <a:t> </a:t>
+            </a:r>
+            <a:r>
+              <a:rPr lang="en-US" altLang="zh-CN" dirty="0">
+                <a:solidFill>
+                  <a:srgbClr val="FF0000"/>
+                </a:solidFill>
+              </a:rPr>
+              <a:t>hypervisor</a:t>
             </a:r>
           </a:p>
         </p:txBody>
@@ -29475,13 +29546,14 @@
           </a:bodyPr>
           <a:lstStyle/>
           <a:p>
+            <a:pPr latinLnBrk="0"/>
             <a:r>
               <a:rPr lang="en-US" b="1" dirty="0"/>
               <a:t>Hosted Architecture</a:t>
             </a:r>
           </a:p>
           <a:p>
-            <a:pPr marL="285739" indent="-285739"/>
+            <a:pPr marL="285739" indent="-285739" latinLnBrk="0"/>
             <a:r>
               <a:rPr lang="en-US" dirty="0"/>
               <a:t>Install as application on existing x86 “host” OS, </a:t>
@@ -29496,54 +29568,56 @@
             </a:r>
           </a:p>
           <a:p>
-            <a:pPr marL="285739" indent="-285739"/>
+            <a:pPr marL="285739" indent="-285739" latinLnBrk="0"/>
             <a:r>
               <a:rPr lang="en-US" dirty="0"/>
               <a:t>Small context-switching driver</a:t>
             </a:r>
           </a:p>
           <a:p>
-            <a:pPr marL="285739" indent="-285739"/>
+            <a:pPr marL="285739" indent="-285739" latinLnBrk="0" hangingPunct="0"/>
             <a:r>
               <a:rPr lang="en-US" dirty="0"/>
               <a:t>Leverage host I/O stack and resource management</a:t>
             </a:r>
           </a:p>
           <a:p>
-            <a:pPr marL="285739" indent="-285739"/>
+            <a:pPr marL="285739" indent="-285739" latinLnBrk="0"/>
             <a:r>
               <a:rPr lang="en-US" dirty="0"/>
               <a:t>Examples: VMware Player/Workstation/Server, Microsoft Virtual PC/Server, Parallels Desktop</a:t>
             </a:r>
           </a:p>
           <a:p>
+            <a:pPr latinLnBrk="0"/>
             <a:r>
               <a:rPr lang="en-US" b="1" dirty="0"/>
               <a:t>Bare-Metal Architecture</a:t>
             </a:r>
           </a:p>
           <a:p>
-            <a:pPr marL="285739" indent="-285739"/>
+            <a:pPr marL="285739" indent="-285739" latinLnBrk="0"/>
             <a:r>
               <a:rPr lang="en-US" dirty="0"/>
               <a:t>“Hypervisor” installs directly on hardware</a:t>
             </a:r>
           </a:p>
           <a:p>
-            <a:pPr marL="285739" indent="-285739"/>
+            <a:pPr marL="285739" indent="-285739" latinLnBrk="0"/>
             <a:r>
               <a:rPr lang="en-US" dirty="0"/>
               <a:t>Acknowledged as preferred architecture for high-end servers</a:t>
             </a:r>
           </a:p>
           <a:p>
-            <a:pPr marL="285739" indent="-285739"/>
+            <a:pPr marL="285739" indent="-285739" latinLnBrk="0"/>
             <a:r>
               <a:rPr lang="en-US" dirty="0"/>
               <a:t>Examples: VMware ESX Server, Xen, Microsoft Viridian (2008)</a:t>
             </a:r>
           </a:p>
           <a:p>
+            <a:pPr latinLnBrk="0"/>
             <a:endParaRPr lang="en-US" dirty="0"/>
           </a:p>
         </p:txBody>
